--- a/project_report/Logistic-Regression-presentation.pptx
+++ b/project_report/Logistic-Regression-presentation.pptx
@@ -5,7 +5,7 @@
     <p:sldMasterId id="2147483648" r:id="rId1"/>
   </p:sldMasterIdLst>
   <p:notesMasterIdLst>
-    <p:notesMasterId r:id="rId10"/>
+    <p:notesMasterId r:id="rId12"/>
   </p:notesMasterIdLst>
   <p:sldIdLst>
     <p:sldId id="256" r:id="rId2"/>
@@ -14,16 +14,18 @@
     <p:sldId id="259" r:id="rId5"/>
     <p:sldId id="260" r:id="rId6"/>
     <p:sldId id="261" r:id="rId7"/>
-    <p:sldId id="262" r:id="rId8"/>
-    <p:sldId id="263" r:id="rId9"/>
+    <p:sldId id="264" r:id="rId8"/>
+    <p:sldId id="262" r:id="rId9"/>
+    <p:sldId id="265" r:id="rId10"/>
+    <p:sldId id="263" r:id="rId11"/>
   </p:sldIdLst>
   <p:sldSz cx="14630400" cy="8229600"/>
   <p:notesSz cx="8229600" cy="14630400"/>
   <p:embeddedFontLst>
     <p:embeddedFont>
       <p:font typeface="Open Sans" panose="020B0606030504020204" pitchFamily="34" charset="0"/>
-      <p:regular r:id="rId11"/>
-      <p:bold r:id="rId12"/>
+      <p:regular r:id="rId13"/>
+      <p:bold r:id="rId14"/>
     </p:embeddedFont>
   </p:embeddedFontLst>
   <p:defaultTextStyle>
@@ -823,7 +825,7 @@
           <a:p>
             <a:fld id="{F7021451-1387-4CA6-816F-3879F97B5CBC}" type="slidenum">
               <a:rPr lang="en-US"/>
-              <a:t>7</a:t>
+              <a:t>8</a:t>
             </a:fld>
             <a:endParaRPr lang="en-US"/>
           </a:p>
@@ -907,7 +909,7 @@
           <a:p>
             <a:fld id="{F7021451-1387-4CA6-816F-3879F97B5CBC}" type="slidenum">
               <a:rPr lang="en-US"/>
-              <a:t>8</a:t>
+              <a:t>10</a:t>
             </a:fld>
             <a:endParaRPr lang="en-US"/>
           </a:p>
@@ -2163,6 +2165,468 @@
 </p:sld>
 </file>
 
+<file path=ppt/slides/slide10.xml><?xml version="1.0" encoding="utf-8"?>
+<p:sld xmlns:a="http://schemas.openxmlformats.org/drawingml/2006/main" xmlns:r="http://schemas.openxmlformats.org/officeDocument/2006/relationships" xmlns:p="http://schemas.openxmlformats.org/presentationml/2006/main">
+  <p:cSld name="Slide 8">
+    <p:spTree>
+      <p:nvGrpSpPr>
+        <p:cNvPr id="1" name=""/>
+        <p:cNvGrpSpPr/>
+        <p:nvPr/>
+      </p:nvGrpSpPr>
+      <p:grpSpPr>
+        <a:xfrm>
+          <a:off x="0" y="0"/>
+          <a:ext cx="0" cy="0"/>
+          <a:chOff x="0" y="0"/>
+          <a:chExt cx="0" cy="0"/>
+        </a:xfrm>
+      </p:grpSpPr>
+      <p:sp>
+        <p:nvSpPr>
+          <p:cNvPr id="2" name="Text 0"/>
+          <p:cNvSpPr/>
+          <p:nvPr/>
+        </p:nvSpPr>
+        <p:spPr>
+          <a:xfrm>
+            <a:off x="793790" y="1354931"/>
+            <a:ext cx="5670590" cy="708779"/>
+          </a:xfrm>
+          <a:prstGeom prst="rect">
+            <a:avLst/>
+          </a:prstGeom>
+          <a:noFill/>
+          <a:ln/>
+        </p:spPr>
+        <p:txBody>
+          <a:bodyPr wrap="none" lIns="0" tIns="0" rIns="0" bIns="0" rtlCol="0" anchor="t"/>
+          <a:lstStyle/>
+          <a:p>
+            <a:pPr marL="0" indent="0" algn="l">
+              <a:lnSpc>
+                <a:spcPts val="5550"/>
+              </a:lnSpc>
+              <a:buNone/>
+            </a:pPr>
+            <a:r>
+              <a:rPr lang="en-US" sz="4450" b="1" dirty="0">
+                <a:solidFill>
+                  <a:srgbClr val="443728"/>
+                </a:solidFill>
+                <a:latin typeface="Crimson Pro Bold" pitchFamily="34" charset="0"/>
+                <a:ea typeface="Crimson Pro Bold" pitchFamily="34" charset="-122"/>
+                <a:cs typeface="Crimson Pro Bold" pitchFamily="34" charset="-120"/>
+              </a:rPr>
+              <a:t>Conclusion</a:t>
+            </a:r>
+            <a:endParaRPr lang="en-US" sz="4450" dirty="0"/>
+          </a:p>
+        </p:txBody>
+      </p:sp>
+      <p:sp>
+        <p:nvSpPr>
+          <p:cNvPr id="3" name="Text 1"/>
+          <p:cNvSpPr/>
+          <p:nvPr/>
+        </p:nvSpPr>
+        <p:spPr>
+          <a:xfrm>
+            <a:off x="793790" y="2517338"/>
+            <a:ext cx="13042821" cy="1451610"/>
+          </a:xfrm>
+          <a:prstGeom prst="rect">
+            <a:avLst/>
+          </a:prstGeom>
+          <a:noFill/>
+          <a:ln/>
+        </p:spPr>
+        <p:txBody>
+          <a:bodyPr wrap="square" lIns="0" tIns="0" rIns="0" bIns="0" rtlCol="0" anchor="t"/>
+          <a:lstStyle/>
+          <a:p>
+            <a:pPr marL="0" indent="0" algn="l">
+              <a:lnSpc>
+                <a:spcPts val="2850"/>
+              </a:lnSpc>
+              <a:buNone/>
+            </a:pPr>
+            <a:r>
+              <a:rPr lang="en-US" sz="1750" dirty="0">
+                <a:solidFill>
+                  <a:srgbClr val="443728"/>
+                </a:solidFill>
+                <a:latin typeface="Open Sans" pitchFamily="34" charset="0"/>
+                <a:ea typeface="Open Sans" pitchFamily="34" charset="-122"/>
+                <a:cs typeface="Open Sans" pitchFamily="34" charset="-120"/>
+              </a:rPr>
+              <a:t>The project demonstrated the effectiveness of Logistic Regression for binary classification tasks, achieving high accuracy and robust generalization on the WBCD dataset. The results highlight the potential of AI-driven solutions in medical diagnostics. Future work will focus on addressing limitations and exploring advanced techniques to further improve model performance and applicability.</a:t>
+            </a:r>
+            <a:endParaRPr lang="en-US" sz="1750" dirty="0"/>
+          </a:p>
+        </p:txBody>
+      </p:sp>
+      <p:sp>
+        <p:nvSpPr>
+          <p:cNvPr id="4" name="Shape 2"/>
+          <p:cNvSpPr/>
+          <p:nvPr/>
+        </p:nvSpPr>
+        <p:spPr>
+          <a:xfrm>
+            <a:off x="793790" y="4224099"/>
+            <a:ext cx="2173724" cy="807958"/>
+          </a:xfrm>
+          <a:prstGeom prst="roundRect">
+            <a:avLst>
+              <a:gd name="adj" fmla="val 11791"/>
+            </a:avLst>
+          </a:prstGeom>
+          <a:solidFill>
+            <a:srgbClr val="EBE2E0"/>
+          </a:solidFill>
+          <a:ln w="7620">
+            <a:solidFill>
+              <a:srgbClr val="D1C8C6"/>
+            </a:solidFill>
+            <a:prstDash val="solid"/>
+          </a:ln>
+        </p:spPr>
+      </p:sp>
+      <p:pic>
+        <p:nvPicPr>
+          <p:cNvPr id="5" name="Image 0" descr="preencoded.png"/>
+          <p:cNvPicPr>
+            <a:picLocks noChangeAspect="1"/>
+          </p:cNvPicPr>
+          <p:nvPr/>
+        </p:nvPicPr>
+        <p:blipFill>
+          <a:blip r:embed="rId3"/>
+          <a:stretch>
+            <a:fillRect/>
+          </a:stretch>
+        </p:blipFill>
+        <p:spPr>
+          <a:xfrm>
+            <a:off x="1721167" y="4428768"/>
+            <a:ext cx="318968" cy="398621"/>
+          </a:xfrm>
+          <a:prstGeom prst="rect">
+            <a:avLst/>
+          </a:prstGeom>
+        </p:spPr>
+      </p:pic>
+      <p:sp>
+        <p:nvSpPr>
+          <p:cNvPr id="6" name="Text 3"/>
+          <p:cNvSpPr/>
+          <p:nvPr/>
+        </p:nvSpPr>
+        <p:spPr>
+          <a:xfrm>
+            <a:off x="3194328" y="4450913"/>
+            <a:ext cx="1729859" cy="354330"/>
+          </a:xfrm>
+          <a:prstGeom prst="rect">
+            <a:avLst/>
+          </a:prstGeom>
+          <a:noFill/>
+          <a:ln/>
+        </p:spPr>
+        <p:txBody>
+          <a:bodyPr wrap="none" lIns="0" tIns="0" rIns="0" bIns="0" rtlCol="0" anchor="t"/>
+          <a:lstStyle/>
+          <a:p>
+            <a:pPr marL="0" indent="0" algn="l">
+              <a:lnSpc>
+                <a:spcPts val="2750"/>
+              </a:lnSpc>
+              <a:buNone/>
+            </a:pPr>
+            <a:r>
+              <a:rPr lang="en-US" sz="2200" b="1" dirty="0">
+                <a:solidFill>
+                  <a:srgbClr val="443728"/>
+                </a:solidFill>
+                <a:latin typeface="Crimson Pro Bold" pitchFamily="34" charset="0"/>
+                <a:ea typeface="Crimson Pro Bold" pitchFamily="34" charset="-122"/>
+                <a:cs typeface="Crimson Pro Bold" pitchFamily="34" charset="-120"/>
+              </a:rPr>
+              <a:t>High Accuracy</a:t>
+            </a:r>
+            <a:endParaRPr lang="en-US" sz="2200" dirty="0"/>
+          </a:p>
+        </p:txBody>
+      </p:sp>
+      <p:sp>
+        <p:nvSpPr>
+          <p:cNvPr id="7" name="Shape 4"/>
+          <p:cNvSpPr/>
+          <p:nvPr/>
+        </p:nvSpPr>
+        <p:spPr>
+          <a:xfrm>
+            <a:off x="3080861" y="5016818"/>
+            <a:ext cx="10642402" cy="15240"/>
+          </a:xfrm>
+          <a:prstGeom prst="roundRect">
+            <a:avLst>
+              <a:gd name="adj" fmla="val 625116"/>
+            </a:avLst>
+          </a:prstGeom>
+          <a:solidFill>
+            <a:srgbClr val="D1C8C6"/>
+          </a:solidFill>
+          <a:ln/>
+        </p:spPr>
+      </p:sp>
+      <p:sp>
+        <p:nvSpPr>
+          <p:cNvPr id="8" name="Shape 5"/>
+          <p:cNvSpPr/>
+          <p:nvPr/>
+        </p:nvSpPr>
+        <p:spPr>
+          <a:xfrm>
+            <a:off x="793790" y="5145405"/>
+            <a:ext cx="4347567" cy="807958"/>
+          </a:xfrm>
+          <a:prstGeom prst="roundRect">
+            <a:avLst>
+              <a:gd name="adj" fmla="val 11791"/>
+            </a:avLst>
+          </a:prstGeom>
+          <a:solidFill>
+            <a:srgbClr val="EBE2E0"/>
+          </a:solidFill>
+          <a:ln w="7620">
+            <a:solidFill>
+              <a:srgbClr val="D1C8C6"/>
+            </a:solidFill>
+            <a:prstDash val="solid"/>
+          </a:ln>
+        </p:spPr>
+      </p:sp>
+      <p:pic>
+        <p:nvPicPr>
+          <p:cNvPr id="9" name="Image 1" descr="preencoded.png"/>
+          <p:cNvPicPr>
+            <a:picLocks noChangeAspect="1"/>
+          </p:cNvPicPr>
+          <p:nvPr/>
+        </p:nvPicPr>
+        <p:blipFill>
+          <a:blip r:embed="rId4"/>
+          <a:stretch>
+            <a:fillRect/>
+          </a:stretch>
+        </p:blipFill>
+        <p:spPr>
+          <a:xfrm>
+            <a:off x="2808089" y="5350073"/>
+            <a:ext cx="318968" cy="398621"/>
+          </a:xfrm>
+          <a:prstGeom prst="rect">
+            <a:avLst/>
+          </a:prstGeom>
+        </p:spPr>
+      </p:pic>
+      <p:sp>
+        <p:nvSpPr>
+          <p:cNvPr id="10" name="Text 6"/>
+          <p:cNvSpPr/>
+          <p:nvPr/>
+        </p:nvSpPr>
+        <p:spPr>
+          <a:xfrm>
+            <a:off x="5368171" y="5372219"/>
+            <a:ext cx="2684264" cy="354330"/>
+          </a:xfrm>
+          <a:prstGeom prst="rect">
+            <a:avLst/>
+          </a:prstGeom>
+          <a:noFill/>
+          <a:ln/>
+        </p:spPr>
+        <p:txBody>
+          <a:bodyPr wrap="none" lIns="0" tIns="0" rIns="0" bIns="0" rtlCol="0" anchor="t"/>
+          <a:lstStyle/>
+          <a:p>
+            <a:pPr marL="0" indent="0" algn="l">
+              <a:lnSpc>
+                <a:spcPts val="2750"/>
+              </a:lnSpc>
+              <a:buNone/>
+            </a:pPr>
+            <a:r>
+              <a:rPr lang="en-US" sz="2200" b="1" dirty="0">
+                <a:solidFill>
+                  <a:srgbClr val="443728"/>
+                </a:solidFill>
+                <a:latin typeface="Crimson Pro Bold" pitchFamily="34" charset="0"/>
+                <a:ea typeface="Crimson Pro Bold" pitchFamily="34" charset="-122"/>
+                <a:cs typeface="Crimson Pro Bold" pitchFamily="34" charset="-120"/>
+              </a:rPr>
+              <a:t>Robust Generalization</a:t>
+            </a:r>
+            <a:endParaRPr lang="en-US" sz="2200" dirty="0"/>
+          </a:p>
+        </p:txBody>
+      </p:sp>
+      <p:sp>
+        <p:nvSpPr>
+          <p:cNvPr id="11" name="Shape 7"/>
+          <p:cNvSpPr/>
+          <p:nvPr/>
+        </p:nvSpPr>
+        <p:spPr>
+          <a:xfrm>
+            <a:off x="5254704" y="5938123"/>
+            <a:ext cx="8468558" cy="15240"/>
+          </a:xfrm>
+          <a:prstGeom prst="roundRect">
+            <a:avLst>
+              <a:gd name="adj" fmla="val 625116"/>
+            </a:avLst>
+          </a:prstGeom>
+          <a:solidFill>
+            <a:srgbClr val="D1C8C6"/>
+          </a:solidFill>
+          <a:ln/>
+        </p:spPr>
+      </p:sp>
+      <p:sp>
+        <p:nvSpPr>
+          <p:cNvPr id="12" name="Shape 8"/>
+          <p:cNvSpPr/>
+          <p:nvPr/>
+        </p:nvSpPr>
+        <p:spPr>
+          <a:xfrm>
+            <a:off x="793790" y="6066711"/>
+            <a:ext cx="6521410" cy="807958"/>
+          </a:xfrm>
+          <a:prstGeom prst="roundRect">
+            <a:avLst>
+              <a:gd name="adj" fmla="val 11791"/>
+            </a:avLst>
+          </a:prstGeom>
+          <a:solidFill>
+            <a:srgbClr val="EBE2E0"/>
+          </a:solidFill>
+          <a:ln w="7620">
+            <a:solidFill>
+              <a:srgbClr val="D1C8C6"/>
+            </a:solidFill>
+            <a:prstDash val="solid"/>
+          </a:ln>
+        </p:spPr>
+      </p:sp>
+      <p:pic>
+        <p:nvPicPr>
+          <p:cNvPr id="13" name="Image 2" descr="preencoded.png"/>
+          <p:cNvPicPr>
+            <a:picLocks noChangeAspect="1"/>
+          </p:cNvPicPr>
+          <p:nvPr/>
+        </p:nvPicPr>
+        <p:blipFill>
+          <a:blip r:embed="rId5"/>
+          <a:stretch>
+            <a:fillRect/>
+          </a:stretch>
+        </p:blipFill>
+        <p:spPr>
+          <a:xfrm>
+            <a:off x="3895011" y="6271379"/>
+            <a:ext cx="318968" cy="398621"/>
+          </a:xfrm>
+          <a:prstGeom prst="rect">
+            <a:avLst/>
+          </a:prstGeom>
+        </p:spPr>
+      </p:pic>
+      <p:sp>
+        <p:nvSpPr>
+          <p:cNvPr id="14" name="Text 9"/>
+          <p:cNvSpPr/>
+          <p:nvPr/>
+        </p:nvSpPr>
+        <p:spPr>
+          <a:xfrm>
+            <a:off x="7542014" y="6293525"/>
+            <a:ext cx="2652474" cy="354330"/>
+          </a:xfrm>
+          <a:prstGeom prst="rect">
+            <a:avLst/>
+          </a:prstGeom>
+          <a:noFill/>
+          <a:ln/>
+        </p:spPr>
+        <p:txBody>
+          <a:bodyPr wrap="none" lIns="0" tIns="0" rIns="0" bIns="0" rtlCol="0" anchor="t"/>
+          <a:lstStyle/>
+          <a:p>
+            <a:pPr marL="0" indent="0" algn="l">
+              <a:lnSpc>
+                <a:spcPts val="2750"/>
+              </a:lnSpc>
+              <a:buNone/>
+            </a:pPr>
+            <a:r>
+              <a:rPr lang="en-US" sz="2200" b="1" dirty="0">
+                <a:solidFill>
+                  <a:srgbClr val="443728"/>
+                </a:solidFill>
+                <a:latin typeface="Crimson Pro Bold" pitchFamily="34" charset="0"/>
+                <a:ea typeface="Crimson Pro Bold" pitchFamily="34" charset="-122"/>
+                <a:cs typeface="Crimson Pro Bold" pitchFamily="34" charset="-120"/>
+              </a:rPr>
+              <a:t>Future Enhancements</a:t>
+            </a:r>
+            <a:endParaRPr lang="en-US" sz="2200" dirty="0"/>
+          </a:p>
+        </p:txBody>
+      </p:sp>
+      <p:pic>
+        <p:nvPicPr>
+          <p:cNvPr id="16" name="Picture 15">
+            <a:extLst>
+              <a:ext uri="{FF2B5EF4-FFF2-40B4-BE49-F238E27FC236}">
+                <a16:creationId xmlns:a16="http://schemas.microsoft.com/office/drawing/2014/main" id="{F138F770-956A-6CF7-2F42-586E6A626A0D}"/>
+              </a:ext>
+            </a:extLst>
+          </p:cNvPr>
+          <p:cNvPicPr>
+            <a:picLocks noChangeAspect="1"/>
+          </p:cNvPicPr>
+          <p:nvPr/>
+        </p:nvPicPr>
+        <p:blipFill>
+          <a:blip r:embed="rId6"/>
+          <a:stretch>
+            <a:fillRect/>
+          </a:stretch>
+        </p:blipFill>
+        <p:spPr>
+          <a:xfrm>
+            <a:off x="12591757" y="7877325"/>
+            <a:ext cx="1838582" cy="200053"/>
+          </a:xfrm>
+          <a:prstGeom prst="rect">
+            <a:avLst/>
+          </a:prstGeom>
+        </p:spPr>
+      </p:pic>
+    </p:spTree>
+  </p:cSld>
+  <p:clrMapOvr>
+    <a:masterClrMapping/>
+  </p:clrMapOvr>
+</p:sld>
+</file>
+
 <file path=ppt/slides/slide2.xml><?xml version="1.0" encoding="utf-8"?>
 <p:sld xmlns:a="http://schemas.openxmlformats.org/drawingml/2006/main" xmlns:r="http://schemas.openxmlformats.org/officeDocument/2006/relationships" xmlns:p="http://schemas.openxmlformats.org/presentationml/2006/main">
   <p:cSld name="Slide 2">
@@ -4351,7 +4815,7 @@
 
 <file path=ppt/slides/slide7.xml><?xml version="1.0" encoding="utf-8"?>
 <p:sld xmlns:a="http://schemas.openxmlformats.org/drawingml/2006/main" xmlns:r="http://schemas.openxmlformats.org/officeDocument/2006/relationships" xmlns:p="http://schemas.openxmlformats.org/presentationml/2006/main">
-  <p:cSld name="Slide 7">
+  <p:cSld>
     <p:spTree>
       <p:nvGrpSpPr>
         <p:cNvPr id="1" name=""/>
@@ -4368,7 +4832,43 @@
       </p:grpSpPr>
       <p:pic>
         <p:nvPicPr>
-          <p:cNvPr id="2" name="Image 0" descr="preencoded.png"/>
+          <p:cNvPr id="3" name="Picture 2">
+            <a:extLst>
+              <a:ext uri="{FF2B5EF4-FFF2-40B4-BE49-F238E27FC236}">
+                <a16:creationId xmlns:a16="http://schemas.microsoft.com/office/drawing/2014/main" id="{0D9AB1F5-4BF3-FE77-9846-2630D0EB26BC}"/>
+              </a:ext>
+            </a:extLst>
+          </p:cNvPr>
+          <p:cNvPicPr>
+            <a:picLocks noChangeAspect="1"/>
+          </p:cNvPicPr>
+          <p:nvPr/>
+        </p:nvPicPr>
+        <p:blipFill>
+          <a:blip r:embed="rId2"/>
+          <a:stretch>
+            <a:fillRect/>
+          </a:stretch>
+        </p:blipFill>
+        <p:spPr>
+          <a:xfrm>
+            <a:off x="12789663" y="7814263"/>
+            <a:ext cx="1600423" cy="200053"/>
+          </a:xfrm>
+          <a:prstGeom prst="rect">
+            <a:avLst/>
+          </a:prstGeom>
+        </p:spPr>
+      </p:pic>
+      <p:pic>
+        <p:nvPicPr>
+          <p:cNvPr id="5" name="Picture 4">
+            <a:extLst>
+              <a:ext uri="{FF2B5EF4-FFF2-40B4-BE49-F238E27FC236}">
+                <a16:creationId xmlns:a16="http://schemas.microsoft.com/office/drawing/2014/main" id="{2D276BA1-A228-A995-BAF4-1BCCFCABBE87}"/>
+              </a:ext>
+            </a:extLst>
+          </p:cNvPr>
           <p:cNvPicPr>
             <a:picLocks noChangeAspect="1"/>
           </p:cNvPicPr>
@@ -4382,14 +4882,44 @@
         </p:blipFill>
         <p:spPr>
           <a:xfrm>
-            <a:off x="9144000" y="0"/>
-            <a:ext cx="5486400" cy="8231862"/>
+            <a:off x="190023" y="504497"/>
+            <a:ext cx="14125898" cy="7157543"/>
           </a:xfrm>
           <a:prstGeom prst="rect">
             <a:avLst/>
           </a:prstGeom>
         </p:spPr>
       </p:pic>
+    </p:spTree>
+    <p:extLst>
+      <p:ext uri="{BB962C8B-B14F-4D97-AF65-F5344CB8AC3E}">
+        <p14:creationId xmlns:p14="http://schemas.microsoft.com/office/powerpoint/2010/main" val="1171179929"/>
+      </p:ext>
+    </p:extLst>
+  </p:cSld>
+  <p:clrMapOvr>
+    <a:masterClrMapping/>
+  </p:clrMapOvr>
+</p:sld>
+</file>
+
+<file path=ppt/slides/slide8.xml><?xml version="1.0" encoding="utf-8"?>
+<p:sld xmlns:a="http://schemas.openxmlformats.org/drawingml/2006/main" xmlns:r="http://schemas.openxmlformats.org/officeDocument/2006/relationships" xmlns:p="http://schemas.openxmlformats.org/presentationml/2006/main">
+  <p:cSld name="Slide 7">
+    <p:spTree>
+      <p:nvGrpSpPr>
+        <p:cNvPr id="1" name=""/>
+        <p:cNvGrpSpPr/>
+        <p:nvPr/>
+      </p:nvGrpSpPr>
+      <p:grpSpPr>
+        <a:xfrm>
+          <a:off x="0" y="0"/>
+          <a:ext cx="0" cy="0"/>
+          <a:chOff x="0" y="0"/>
+          <a:chExt cx="0" cy="0"/>
+        </a:xfrm>
+      </p:grpSpPr>
       <p:sp>
         <p:nvSpPr>
           <p:cNvPr id="3" name="Text 0"/>
@@ -4852,6 +5382,96 @@
           </a:p>
         </p:txBody>
       </p:sp>
+      <p:pic>
+        <p:nvPicPr>
+          <p:cNvPr id="15" name="Picture 14">
+            <a:extLst>
+              <a:ext uri="{FF2B5EF4-FFF2-40B4-BE49-F238E27FC236}">
+                <a16:creationId xmlns:a16="http://schemas.microsoft.com/office/drawing/2014/main" id="{1B4A7A8B-EC0B-F3FD-7139-B359D1FBD833}"/>
+              </a:ext>
+            </a:extLst>
+          </p:cNvPr>
+          <p:cNvPicPr>
+            <a:picLocks noChangeAspect="1"/>
+          </p:cNvPicPr>
+          <p:nvPr/>
+        </p:nvPicPr>
+        <p:blipFill>
+          <a:blip r:embed="rId3"/>
+          <a:stretch>
+            <a:fillRect/>
+          </a:stretch>
+        </p:blipFill>
+        <p:spPr>
+          <a:xfrm>
+            <a:off x="13006959" y="7864847"/>
+            <a:ext cx="1228896" cy="161948"/>
+          </a:xfrm>
+          <a:prstGeom prst="rect">
+            <a:avLst/>
+          </a:prstGeom>
+        </p:spPr>
+      </p:pic>
+      <p:pic>
+        <p:nvPicPr>
+          <p:cNvPr id="17" name="Picture 16">
+            <a:extLst>
+              <a:ext uri="{FF2B5EF4-FFF2-40B4-BE49-F238E27FC236}">
+                <a16:creationId xmlns:a16="http://schemas.microsoft.com/office/drawing/2014/main" id="{0BF8943A-85F9-3A7C-6D9D-60EC4838A105}"/>
+              </a:ext>
+            </a:extLst>
+          </p:cNvPr>
+          <p:cNvPicPr>
+            <a:picLocks noChangeAspect="1"/>
+          </p:cNvPicPr>
+          <p:nvPr/>
+        </p:nvPicPr>
+        <p:blipFill>
+          <a:blip r:embed="rId3"/>
+          <a:stretch>
+            <a:fillRect/>
+          </a:stretch>
+        </p:blipFill>
+        <p:spPr>
+          <a:xfrm>
+            <a:off x="13401504" y="7945821"/>
+            <a:ext cx="1228896" cy="161948"/>
+          </a:xfrm>
+          <a:prstGeom prst="rect">
+            <a:avLst/>
+          </a:prstGeom>
+        </p:spPr>
+      </p:pic>
+      <p:pic>
+        <p:nvPicPr>
+          <p:cNvPr id="21" name="Picture 20">
+            <a:extLst>
+              <a:ext uri="{FF2B5EF4-FFF2-40B4-BE49-F238E27FC236}">
+                <a16:creationId xmlns:a16="http://schemas.microsoft.com/office/drawing/2014/main" id="{531C426E-E298-7249-1211-21E2BC675CE4}"/>
+              </a:ext>
+            </a:extLst>
+          </p:cNvPr>
+          <p:cNvPicPr>
+            <a:picLocks noChangeAspect="1"/>
+          </p:cNvPicPr>
+          <p:nvPr/>
+        </p:nvPicPr>
+        <p:blipFill>
+          <a:blip r:embed="rId4"/>
+          <a:stretch>
+            <a:fillRect/>
+          </a:stretch>
+        </p:blipFill>
+        <p:spPr>
+          <a:xfrm>
+            <a:off x="8615210" y="1035068"/>
+            <a:ext cx="6015190" cy="5121213"/>
+          </a:xfrm>
+          <a:prstGeom prst="rect">
+            <a:avLst/>
+          </a:prstGeom>
+        </p:spPr>
+      </p:pic>
     </p:spTree>
   </p:cSld>
   <p:clrMapOvr>
@@ -4860,9 +5480,9 @@
 </p:sld>
 </file>
 
-<file path=ppt/slides/slide8.xml><?xml version="1.0" encoding="utf-8"?>
+<file path=ppt/slides/slide9.xml><?xml version="1.0" encoding="utf-8"?>
 <p:sld xmlns:a="http://schemas.openxmlformats.org/drawingml/2006/main" xmlns:r="http://schemas.openxmlformats.org/officeDocument/2006/relationships" xmlns:p="http://schemas.openxmlformats.org/presentationml/2006/main">
-  <p:cSld name="Slide 8">
+  <p:cSld>
     <p:spTree>
       <p:nvGrpSpPr>
         <p:cNvPr id="1" name=""/>
@@ -4877,120 +5497,45 @@
           <a:chExt cx="0" cy="0"/>
         </a:xfrm>
       </p:grpSpPr>
-      <p:sp>
-        <p:nvSpPr>
-          <p:cNvPr id="2" name="Text 0"/>
-          <p:cNvSpPr/>
-          <p:nvPr/>
-        </p:nvSpPr>
-        <p:spPr>
-          <a:xfrm>
-            <a:off x="793790" y="1354931"/>
-            <a:ext cx="5670590" cy="708779"/>
-          </a:xfrm>
-          <a:prstGeom prst="rect">
-            <a:avLst/>
-          </a:prstGeom>
-          <a:noFill/>
-          <a:ln/>
-        </p:spPr>
-        <p:txBody>
-          <a:bodyPr wrap="none" lIns="0" tIns="0" rIns="0" bIns="0" rtlCol="0" anchor="t"/>
-          <a:lstStyle/>
-          <a:p>
-            <a:pPr marL="0" indent="0" algn="l">
-              <a:lnSpc>
-                <a:spcPts val="5550"/>
-              </a:lnSpc>
-              <a:buNone/>
-            </a:pPr>
-            <a:r>
-              <a:rPr lang="en-US" sz="4450" b="1" dirty="0">
-                <a:solidFill>
-                  <a:srgbClr val="443728"/>
-                </a:solidFill>
-                <a:latin typeface="Crimson Pro Bold" pitchFamily="34" charset="0"/>
-                <a:ea typeface="Crimson Pro Bold" pitchFamily="34" charset="-122"/>
-                <a:cs typeface="Crimson Pro Bold" pitchFamily="34" charset="-120"/>
-              </a:rPr>
-              <a:t>Conclusion</a:t>
-            </a:r>
-            <a:endParaRPr lang="en-US" sz="4450" dirty="0"/>
-          </a:p>
-        </p:txBody>
-      </p:sp>
-      <p:sp>
-        <p:nvSpPr>
-          <p:cNvPr id="3" name="Text 1"/>
-          <p:cNvSpPr/>
-          <p:nvPr/>
-        </p:nvSpPr>
-        <p:spPr>
-          <a:xfrm>
-            <a:off x="793790" y="2517338"/>
-            <a:ext cx="13042821" cy="1451610"/>
-          </a:xfrm>
-          <a:prstGeom prst="rect">
-            <a:avLst/>
-          </a:prstGeom>
-          <a:noFill/>
-          <a:ln/>
-        </p:spPr>
-        <p:txBody>
-          <a:bodyPr wrap="square" lIns="0" tIns="0" rIns="0" bIns="0" rtlCol="0" anchor="t"/>
-          <a:lstStyle/>
-          <a:p>
-            <a:pPr marL="0" indent="0" algn="l">
-              <a:lnSpc>
-                <a:spcPts val="2850"/>
-              </a:lnSpc>
-              <a:buNone/>
-            </a:pPr>
-            <a:r>
-              <a:rPr lang="en-US" sz="1750" dirty="0">
-                <a:solidFill>
-                  <a:srgbClr val="443728"/>
-                </a:solidFill>
-                <a:latin typeface="Open Sans" pitchFamily="34" charset="0"/>
-                <a:ea typeface="Open Sans" pitchFamily="34" charset="-122"/>
-                <a:cs typeface="Open Sans" pitchFamily="34" charset="-120"/>
-              </a:rPr>
-              <a:t>The project demonstrated the effectiveness of Logistic Regression for binary classification tasks, achieving high accuracy and robust generalization on the WBCD dataset. The results highlight the potential of AI-driven solutions in medical diagnostics. Future work will focus on addressing limitations and exploring advanced techniques to further improve model performance and applicability.</a:t>
-            </a:r>
-            <a:endParaRPr lang="en-US" sz="1750" dirty="0"/>
-          </a:p>
-        </p:txBody>
-      </p:sp>
-      <p:sp>
-        <p:nvSpPr>
-          <p:cNvPr id="4" name="Shape 2"/>
-          <p:cNvSpPr/>
-          <p:nvPr/>
-        </p:nvSpPr>
-        <p:spPr>
-          <a:xfrm>
-            <a:off x="793790" y="4224099"/>
-            <a:ext cx="2173724" cy="807958"/>
-          </a:xfrm>
-          <a:prstGeom prst="roundRect">
-            <a:avLst>
-              <a:gd name="adj" fmla="val 11791"/>
-            </a:avLst>
-          </a:prstGeom>
-          <a:solidFill>
-            <a:srgbClr val="EBE2E0"/>
-          </a:solidFill>
-          <a:ln w="7620">
-            <a:solidFill>
-              <a:srgbClr val="D1C8C6"/>
-            </a:solidFill>
-            <a:prstDash val="solid"/>
-          </a:ln>
-        </p:spPr>
-      </p:sp>
       <p:pic>
         <p:nvPicPr>
-          <p:cNvPr id="5" name="Image 0" descr="preencoded.png"/>
+          <p:cNvPr id="19" name="Picture 18">
+            <a:extLst>
+              <a:ext uri="{FF2B5EF4-FFF2-40B4-BE49-F238E27FC236}">
+                <a16:creationId xmlns:a16="http://schemas.microsoft.com/office/drawing/2014/main" id="{BEEA126F-3BCB-4DF9-8399-35FCAC7E324C}"/>
+              </a:ext>
+            </a:extLst>
+          </p:cNvPr>
+          <p:cNvPicPr>
+            <a:picLocks noChangeAspect="1"/>
+          </p:cNvPicPr>
+          <p:nvPr/>
+        </p:nvPicPr>
+        <p:blipFill>
+          <a:blip r:embed="rId2"/>
+          <a:stretch>
+            <a:fillRect/>
+          </a:stretch>
+        </p:blipFill>
+        <p:spPr>
+          <a:xfrm>
+            <a:off x="1588058" y="299545"/>
+            <a:ext cx="11213542" cy="7305588"/>
+          </a:xfrm>
+          <a:prstGeom prst="rect">
+            <a:avLst/>
+          </a:prstGeom>
+        </p:spPr>
+      </p:pic>
+      <p:pic>
+        <p:nvPicPr>
+          <p:cNvPr id="3" name="Picture 2">
+            <a:extLst>
+              <a:ext uri="{FF2B5EF4-FFF2-40B4-BE49-F238E27FC236}">
+                <a16:creationId xmlns:a16="http://schemas.microsoft.com/office/drawing/2014/main" id="{36BC8A49-ACAD-43B5-D28D-640F3BBCAD2D}"/>
+              </a:ext>
+            </a:extLst>
+          </p:cNvPr>
           <p:cNvPicPr>
             <a:picLocks noChangeAspect="1"/>
           </p:cNvPicPr>
@@ -5004,310 +5549,8 @@
         </p:blipFill>
         <p:spPr>
           <a:xfrm>
-            <a:off x="1721167" y="4428768"/>
-            <a:ext cx="318968" cy="398621"/>
-          </a:xfrm>
-          <a:prstGeom prst="rect">
-            <a:avLst/>
-          </a:prstGeom>
-        </p:spPr>
-      </p:pic>
-      <p:sp>
-        <p:nvSpPr>
-          <p:cNvPr id="6" name="Text 3"/>
-          <p:cNvSpPr/>
-          <p:nvPr/>
-        </p:nvSpPr>
-        <p:spPr>
-          <a:xfrm>
-            <a:off x="3194328" y="4450913"/>
-            <a:ext cx="1729859" cy="354330"/>
-          </a:xfrm>
-          <a:prstGeom prst="rect">
-            <a:avLst/>
-          </a:prstGeom>
-          <a:noFill/>
-          <a:ln/>
-        </p:spPr>
-        <p:txBody>
-          <a:bodyPr wrap="none" lIns="0" tIns="0" rIns="0" bIns="0" rtlCol="0" anchor="t"/>
-          <a:lstStyle/>
-          <a:p>
-            <a:pPr marL="0" indent="0" algn="l">
-              <a:lnSpc>
-                <a:spcPts val="2750"/>
-              </a:lnSpc>
-              <a:buNone/>
-            </a:pPr>
-            <a:r>
-              <a:rPr lang="en-US" sz="2200" b="1" dirty="0">
-                <a:solidFill>
-                  <a:srgbClr val="443728"/>
-                </a:solidFill>
-                <a:latin typeface="Crimson Pro Bold" pitchFamily="34" charset="0"/>
-                <a:ea typeface="Crimson Pro Bold" pitchFamily="34" charset="-122"/>
-                <a:cs typeface="Crimson Pro Bold" pitchFamily="34" charset="-120"/>
-              </a:rPr>
-              <a:t>High Accuracy</a:t>
-            </a:r>
-            <a:endParaRPr lang="en-US" sz="2200" dirty="0"/>
-          </a:p>
-        </p:txBody>
-      </p:sp>
-      <p:sp>
-        <p:nvSpPr>
-          <p:cNvPr id="7" name="Shape 4"/>
-          <p:cNvSpPr/>
-          <p:nvPr/>
-        </p:nvSpPr>
-        <p:spPr>
-          <a:xfrm>
-            <a:off x="3080861" y="5016818"/>
-            <a:ext cx="10642402" cy="15240"/>
-          </a:xfrm>
-          <a:prstGeom prst="roundRect">
-            <a:avLst>
-              <a:gd name="adj" fmla="val 625116"/>
-            </a:avLst>
-          </a:prstGeom>
-          <a:solidFill>
-            <a:srgbClr val="D1C8C6"/>
-          </a:solidFill>
-          <a:ln/>
-        </p:spPr>
-      </p:sp>
-      <p:sp>
-        <p:nvSpPr>
-          <p:cNvPr id="8" name="Shape 5"/>
-          <p:cNvSpPr/>
-          <p:nvPr/>
-        </p:nvSpPr>
-        <p:spPr>
-          <a:xfrm>
-            <a:off x="793790" y="5145405"/>
-            <a:ext cx="4347567" cy="807958"/>
-          </a:xfrm>
-          <a:prstGeom prst="roundRect">
-            <a:avLst>
-              <a:gd name="adj" fmla="val 11791"/>
-            </a:avLst>
-          </a:prstGeom>
-          <a:solidFill>
-            <a:srgbClr val="EBE2E0"/>
-          </a:solidFill>
-          <a:ln w="7620">
-            <a:solidFill>
-              <a:srgbClr val="D1C8C6"/>
-            </a:solidFill>
-            <a:prstDash val="solid"/>
-          </a:ln>
-        </p:spPr>
-      </p:sp>
-      <p:pic>
-        <p:nvPicPr>
-          <p:cNvPr id="9" name="Image 1" descr="preencoded.png"/>
-          <p:cNvPicPr>
-            <a:picLocks noChangeAspect="1"/>
-          </p:cNvPicPr>
-          <p:nvPr/>
-        </p:nvPicPr>
-        <p:blipFill>
-          <a:blip r:embed="rId4"/>
-          <a:stretch>
-            <a:fillRect/>
-          </a:stretch>
-        </p:blipFill>
-        <p:spPr>
-          <a:xfrm>
-            <a:off x="2808089" y="5350073"/>
-            <a:ext cx="318968" cy="398621"/>
-          </a:xfrm>
-          <a:prstGeom prst="rect">
-            <a:avLst/>
-          </a:prstGeom>
-        </p:spPr>
-      </p:pic>
-      <p:sp>
-        <p:nvSpPr>
-          <p:cNvPr id="10" name="Text 6"/>
-          <p:cNvSpPr/>
-          <p:nvPr/>
-        </p:nvSpPr>
-        <p:spPr>
-          <a:xfrm>
-            <a:off x="5368171" y="5372219"/>
-            <a:ext cx="2684264" cy="354330"/>
-          </a:xfrm>
-          <a:prstGeom prst="rect">
-            <a:avLst/>
-          </a:prstGeom>
-          <a:noFill/>
-          <a:ln/>
-        </p:spPr>
-        <p:txBody>
-          <a:bodyPr wrap="none" lIns="0" tIns="0" rIns="0" bIns="0" rtlCol="0" anchor="t"/>
-          <a:lstStyle/>
-          <a:p>
-            <a:pPr marL="0" indent="0" algn="l">
-              <a:lnSpc>
-                <a:spcPts val="2750"/>
-              </a:lnSpc>
-              <a:buNone/>
-            </a:pPr>
-            <a:r>
-              <a:rPr lang="en-US" sz="2200" b="1" dirty="0">
-                <a:solidFill>
-                  <a:srgbClr val="443728"/>
-                </a:solidFill>
-                <a:latin typeface="Crimson Pro Bold" pitchFamily="34" charset="0"/>
-                <a:ea typeface="Crimson Pro Bold" pitchFamily="34" charset="-122"/>
-                <a:cs typeface="Crimson Pro Bold" pitchFamily="34" charset="-120"/>
-              </a:rPr>
-              <a:t>Robust Generalization</a:t>
-            </a:r>
-            <a:endParaRPr lang="en-US" sz="2200" dirty="0"/>
-          </a:p>
-        </p:txBody>
-      </p:sp>
-      <p:sp>
-        <p:nvSpPr>
-          <p:cNvPr id="11" name="Shape 7"/>
-          <p:cNvSpPr/>
-          <p:nvPr/>
-        </p:nvSpPr>
-        <p:spPr>
-          <a:xfrm>
-            <a:off x="5254704" y="5938123"/>
-            <a:ext cx="8468558" cy="15240"/>
-          </a:xfrm>
-          <a:prstGeom prst="roundRect">
-            <a:avLst>
-              <a:gd name="adj" fmla="val 625116"/>
-            </a:avLst>
-          </a:prstGeom>
-          <a:solidFill>
-            <a:srgbClr val="D1C8C6"/>
-          </a:solidFill>
-          <a:ln/>
-        </p:spPr>
-      </p:sp>
-      <p:sp>
-        <p:nvSpPr>
-          <p:cNvPr id="12" name="Shape 8"/>
-          <p:cNvSpPr/>
-          <p:nvPr/>
-        </p:nvSpPr>
-        <p:spPr>
-          <a:xfrm>
-            <a:off x="793790" y="6066711"/>
-            <a:ext cx="6521410" cy="807958"/>
-          </a:xfrm>
-          <a:prstGeom prst="roundRect">
-            <a:avLst>
-              <a:gd name="adj" fmla="val 11791"/>
-            </a:avLst>
-          </a:prstGeom>
-          <a:solidFill>
-            <a:srgbClr val="EBE2E0"/>
-          </a:solidFill>
-          <a:ln w="7620">
-            <a:solidFill>
-              <a:srgbClr val="D1C8C6"/>
-            </a:solidFill>
-            <a:prstDash val="solid"/>
-          </a:ln>
-        </p:spPr>
-      </p:sp>
-      <p:pic>
-        <p:nvPicPr>
-          <p:cNvPr id="13" name="Image 2" descr="preencoded.png"/>
-          <p:cNvPicPr>
-            <a:picLocks noChangeAspect="1"/>
-          </p:cNvPicPr>
-          <p:nvPr/>
-        </p:nvPicPr>
-        <p:blipFill>
-          <a:blip r:embed="rId5"/>
-          <a:stretch>
-            <a:fillRect/>
-          </a:stretch>
-        </p:blipFill>
-        <p:spPr>
-          <a:xfrm>
-            <a:off x="3895011" y="6271379"/>
-            <a:ext cx="318968" cy="398621"/>
-          </a:xfrm>
-          <a:prstGeom prst="rect">
-            <a:avLst/>
-          </a:prstGeom>
-        </p:spPr>
-      </p:pic>
-      <p:sp>
-        <p:nvSpPr>
-          <p:cNvPr id="14" name="Text 9"/>
-          <p:cNvSpPr/>
-          <p:nvPr/>
-        </p:nvSpPr>
-        <p:spPr>
-          <a:xfrm>
-            <a:off x="7542014" y="6293525"/>
-            <a:ext cx="2652474" cy="354330"/>
-          </a:xfrm>
-          <a:prstGeom prst="rect">
-            <a:avLst/>
-          </a:prstGeom>
-          <a:noFill/>
-          <a:ln/>
-        </p:spPr>
-        <p:txBody>
-          <a:bodyPr wrap="none" lIns="0" tIns="0" rIns="0" bIns="0" rtlCol="0" anchor="t"/>
-          <a:lstStyle/>
-          <a:p>
-            <a:pPr marL="0" indent="0" algn="l">
-              <a:lnSpc>
-                <a:spcPts val="2750"/>
-              </a:lnSpc>
-              <a:buNone/>
-            </a:pPr>
-            <a:r>
-              <a:rPr lang="en-US" sz="2200" b="1" dirty="0">
-                <a:solidFill>
-                  <a:srgbClr val="443728"/>
-                </a:solidFill>
-                <a:latin typeface="Crimson Pro Bold" pitchFamily="34" charset="0"/>
-                <a:ea typeface="Crimson Pro Bold" pitchFamily="34" charset="-122"/>
-                <a:cs typeface="Crimson Pro Bold" pitchFamily="34" charset="-120"/>
-              </a:rPr>
-              <a:t>Future Enhancements</a:t>
-            </a:r>
-            <a:endParaRPr lang="en-US" sz="2200" dirty="0"/>
-          </a:p>
-        </p:txBody>
-      </p:sp>
-      <p:pic>
-        <p:nvPicPr>
-          <p:cNvPr id="16" name="Picture 15">
-            <a:extLst>
-              <a:ext uri="{FF2B5EF4-FFF2-40B4-BE49-F238E27FC236}">
-                <a16:creationId xmlns:a16="http://schemas.microsoft.com/office/drawing/2014/main" id="{F138F770-956A-6CF7-2F42-586E6A626A0D}"/>
-              </a:ext>
-            </a:extLst>
-          </p:cNvPr>
-          <p:cNvPicPr>
-            <a:picLocks noChangeAspect="1"/>
-          </p:cNvPicPr>
-          <p:nvPr/>
-        </p:nvPicPr>
-        <p:blipFill>
-          <a:blip r:embed="rId6"/>
-          <a:stretch>
-            <a:fillRect/>
-          </a:stretch>
-        </p:blipFill>
-        <p:spPr>
-          <a:xfrm>
-            <a:off x="12591757" y="7877325"/>
-            <a:ext cx="1838582" cy="200053"/>
+            <a:off x="10962763" y="7791923"/>
+            <a:ext cx="3667637" cy="276264"/>
           </a:xfrm>
           <a:prstGeom prst="rect">
             <a:avLst/>
@@ -5315,6 +5558,11 @@
         </p:spPr>
       </p:pic>
     </p:spTree>
+    <p:extLst>
+      <p:ext uri="{BB962C8B-B14F-4D97-AF65-F5344CB8AC3E}">
+        <p14:creationId xmlns:p14="http://schemas.microsoft.com/office/powerpoint/2010/main" val="2790159966"/>
+      </p:ext>
+    </p:extLst>
   </p:cSld>
   <p:clrMapOvr>
     <a:masterClrMapping/>
